--- a/Ficheiros/Sprint C/StoryTail.pptx
+++ b/Ficheiros/Sprint C/StoryTail.pptx
@@ -9233,11 +9233,41 @@
           <a:p>
             <a:r>
               <a:rPr lang="pt-PT" dirty="0"/>
-              <a:t>Extra</a:t>
-            </a:r>
-          </a:p>
-        </p:txBody>
-      </p:sp>
+              <a:t>Pagina de preços </a:t>
+            </a:r>
+          </a:p>
+        </p:txBody>
+      </p:sp>
+      <p:pic>
+        <p:nvPicPr>
+          <p:cNvPr id="7" name="Picture 6">
+            <a:extLst>
+              <a:ext uri="{FF2B5EF4-FFF2-40B4-BE49-F238E27FC236}">
+                <a16:creationId xmlns:a16="http://schemas.microsoft.com/office/drawing/2014/main" id="{28390829-814A-3538-03C1-95A9B5EBF8C3}"/>
+              </a:ext>
+            </a:extLst>
+          </p:cNvPr>
+          <p:cNvPicPr>
+            <a:picLocks noChangeAspect="1"/>
+          </p:cNvPicPr>
+          <p:nvPr/>
+        </p:nvPicPr>
+        <p:blipFill>
+          <a:blip r:embed="rId3"/>
+          <a:stretch>
+            <a:fillRect/>
+          </a:stretch>
+        </p:blipFill>
+        <p:spPr>
+          <a:xfrm>
+            <a:off x="1722236" y="1125555"/>
+            <a:ext cx="7917064" cy="5084809"/>
+          </a:xfrm>
+          <a:prstGeom prst="rect">
+            <a:avLst/>
+          </a:prstGeom>
+        </p:spPr>
+      </p:pic>
     </p:spTree>
     <p:extLst>
       <p:ext uri="{BB962C8B-B14F-4D97-AF65-F5344CB8AC3E}">
@@ -10287,15 +10317,6 @@
 </file>
 
 <file path=customXml/item1.xml><?xml version="1.0" encoding="utf-8"?>
-<p:properties xmlns:p="http://schemas.microsoft.com/office/2006/metadata/properties" xmlns:xsi="http://www.w3.org/2001/XMLSchema-instance" xmlns:pc="http://schemas.microsoft.com/office/infopath/2007/PartnerControls">
-  <documentManagement>
-    <_ip_UnifiedCompliancePolicyUIAction xmlns="http://schemas.microsoft.com/sharepoint/v3" xsi:nil="true"/>
-    <_ip_UnifiedCompliancePolicyProperties xmlns="http://schemas.microsoft.com/sharepoint/v3" xsi:nil="true"/>
-  </documentManagement>
-</p:properties>
-</file>
-
-<file path=customXml/item2.xml><?xml version="1.0" encoding="utf-8"?>
 <ct:contentTypeSchema xmlns:ct="http://schemas.microsoft.com/office/2006/metadata/contentType" xmlns:ma="http://schemas.microsoft.com/office/2006/metadata/properties/metaAttributes" ct:_="" ma:_="" ma:contentTypeName="Document" ma:contentTypeID="0x010100DEEA25CC0A0AC24199CDC46C25B8B0BC" ma:contentTypeVersion="9" ma:contentTypeDescription="Create a new document." ma:contentTypeScope="" ma:versionID="76e25e1730b4532ab1d5e5b131a96a5a">
   <xsd:schema xmlns:xsd="http://www.w3.org/2001/XMLSchema" xmlns:xs="http://www.w3.org/2001/XMLSchema" xmlns:p="http://schemas.microsoft.com/office/2006/metadata/properties" xmlns:ns1="http://schemas.microsoft.com/sharepoint/v3" xmlns:ns2="6dc4bcd6-49db-4c07-9060-8acfc67cef9f" xmlns:ns3="fb0879af-3eba-417a-a55a-ffe6dcd6ca77" targetNamespace="http://schemas.microsoft.com/office/2006/metadata/properties" ma:root="true" ma:fieldsID="ad1e9281a84c4949647088091c718de3" ns1:_="" ns2:_="" ns3:_="">
     <xsd:import namespace="http://schemas.microsoft.com/sharepoint/v3"/>
@@ -10497,25 +10518,16 @@
 </ct:contentTypeSchema>
 </file>
 
-<file path=customXml/itemProps1.xml><?xml version="1.0" encoding="utf-8"?>
-<ds:datastoreItem xmlns:ds="http://schemas.openxmlformats.org/officeDocument/2006/customXml" ds:itemID="{EB2218FC-8412-44B9-9E82-D51F1F531141}">
-  <ds:schemaRefs>
-    <ds:schemaRef ds:uri="http://schemas.microsoft.com/office/2006/documentManagement/types"/>
-    <ds:schemaRef ds:uri="http://schemas.openxmlformats.org/package/2006/metadata/core-properties"/>
-    <ds:schemaRef ds:uri="http://schemas.microsoft.com/office/2006/metadata/properties"/>
-    <ds:schemaRef ds:uri="http://purl.org/dc/dcmitype/"/>
-    <ds:schemaRef ds:uri="http://purl.org/dc/elements/1.1/"/>
-    <ds:schemaRef ds:uri="http://purl.org/dc/terms/"/>
-    <ds:schemaRef ds:uri="6dc4bcd6-49db-4c07-9060-8acfc67cef9f"/>
-    <ds:schemaRef ds:uri="http://www.w3.org/XML/1998/namespace"/>
-    <ds:schemaRef ds:uri="http://schemas.microsoft.com/office/infopath/2007/PartnerControls"/>
-    <ds:schemaRef ds:uri="fb0879af-3eba-417a-a55a-ffe6dcd6ca77"/>
-    <ds:schemaRef ds:uri="http://schemas.microsoft.com/sharepoint/v3"/>
-  </ds:schemaRefs>
-</ds:datastoreItem>
+<file path=customXml/item2.xml><?xml version="1.0" encoding="utf-8"?>
+<p:properties xmlns:p="http://schemas.microsoft.com/office/2006/metadata/properties" xmlns:xsi="http://www.w3.org/2001/XMLSchema-instance" xmlns:pc="http://schemas.microsoft.com/office/infopath/2007/PartnerControls">
+  <documentManagement>
+    <_ip_UnifiedCompliancePolicyUIAction xmlns="http://schemas.microsoft.com/sharepoint/v3" xsi:nil="true"/>
+    <_ip_UnifiedCompliancePolicyProperties xmlns="http://schemas.microsoft.com/sharepoint/v3" xsi:nil="true"/>
+  </documentManagement>
+</p:properties>
 </file>
 
-<file path=customXml/itemProps2.xml><?xml version="1.0" encoding="utf-8"?>
+<file path=customXml/itemProps1.xml><?xml version="1.0" encoding="utf-8"?>
 <ds:datastoreItem xmlns:ds="http://schemas.openxmlformats.org/officeDocument/2006/customXml" ds:itemID="{B64A4C9D-F801-4923-BC6D-E0006F512331}">
   <ds:schemaRefs>
     <ds:schemaRef ds:uri="http://schemas.microsoft.com/office/2006/metadata/contentType"/>
@@ -10533,4 +10545,22 @@
     <ds:schemaRef ds:uri="http://schemas.microsoft.com/internal/obd"/>
   </ds:schemaRefs>
 </ds:datastoreItem>
+</file>
+
+<file path=customXml/itemProps2.xml><?xml version="1.0" encoding="utf-8"?>
+<ds:datastoreItem xmlns:ds="http://schemas.openxmlformats.org/officeDocument/2006/customXml" ds:itemID="{EB2218FC-8412-44B9-9E82-D51F1F531141}">
+  <ds:schemaRefs>
+    <ds:schemaRef ds:uri="http://schemas.microsoft.com/office/2006/documentManagement/types"/>
+    <ds:schemaRef ds:uri="http://schemas.openxmlformats.org/package/2006/metadata/core-properties"/>
+    <ds:schemaRef ds:uri="http://schemas.microsoft.com/office/2006/metadata/properties"/>
+    <ds:schemaRef ds:uri="http://purl.org/dc/dcmitype/"/>
+    <ds:schemaRef ds:uri="http://purl.org/dc/elements/1.1/"/>
+    <ds:schemaRef ds:uri="http://purl.org/dc/terms/"/>
+    <ds:schemaRef ds:uri="6dc4bcd6-49db-4c07-9060-8acfc67cef9f"/>
+    <ds:schemaRef ds:uri="http://www.w3.org/XML/1998/namespace"/>
+    <ds:schemaRef ds:uri="http://schemas.microsoft.com/office/infopath/2007/PartnerControls"/>
+    <ds:schemaRef ds:uri="fb0879af-3eba-417a-a55a-ffe6dcd6ca77"/>
+    <ds:schemaRef ds:uri="http://schemas.microsoft.com/sharepoint/v3"/>
+  </ds:schemaRefs>
+</ds:datastoreItem>
 </file>
--- a/Ficheiros/Sprint C/StoryTail.pptx
+++ b/Ficheiros/Sprint C/StoryTail.pptx
@@ -5,10 +5,10 @@
     <p:sldMasterId id="2147483648" r:id="rId3"/>
   </p:sldMasterIdLst>
   <p:notesMasterIdLst>
-    <p:notesMasterId r:id="rId15"/>
+    <p:notesMasterId r:id="rId14"/>
   </p:notesMasterIdLst>
   <p:handoutMasterIdLst>
-    <p:handoutMasterId r:id="rId16"/>
+    <p:handoutMasterId r:id="rId15"/>
   </p:handoutMasterIdLst>
   <p:sldIdLst>
     <p:sldId id="298" r:id="rId4"/>
@@ -18,10 +18,9 @@
     <p:sldId id="284" r:id="rId8"/>
     <p:sldId id="306" r:id="rId9"/>
     <p:sldId id="309" r:id="rId10"/>
-    <p:sldId id="310" r:id="rId11"/>
-    <p:sldId id="283" r:id="rId12"/>
-    <p:sldId id="308" r:id="rId13"/>
-    <p:sldId id="296" r:id="rId14"/>
+    <p:sldId id="283" r:id="rId11"/>
+    <p:sldId id="308" r:id="rId12"/>
+    <p:sldId id="296" r:id="rId13"/>
   </p:sldIdLst>
   <p:sldSz cx="12192000" cy="6858000"/>
   <p:notesSz cx="6858000" cy="9144000"/>
@@ -227,7 +226,7 @@
             <a:pPr rtl="0"/>
             <a:fld id="{3DF29FC9-62EE-41DA-8063-29EF3B77BD78}" type="datetime1">
               <a:rPr lang="pt-PT" smtClean="0"/>
-              <a:t>11/12/2024</a:t>
+              <a:t>12/12/2024</a:t>
             </a:fld>
             <a:endParaRPr lang="pt-PT"/>
           </a:p>
@@ -307,7 +306,7 @@
             <a:pPr rtl="0"/>
             <a:fld id="{682C0B10-7CAE-41E4-AB02-7E8B1FF2B898}" type="slidenum">
               <a:rPr lang="pt-PT" smtClean="0"/>
-              <a:t>‹#›</a:t>
+              <a:t>‹nº›</a:t>
             </a:fld>
             <a:endParaRPr lang="pt-PT"/>
           </a:p>
@@ -408,7 +407,7 @@
             <a:fld id="{11EAB80A-A944-4517-A4D0-352EFDB07E5A}" type="datetime1">
               <a:rPr lang="pt-PT" smtClean="0"/>
               <a:pPr/>
-              <a:t>11/12/2024</a:t>
+              <a:t>12/12/2024</a:t>
             </a:fld>
             <a:endParaRPr lang="pt-PT"/>
           </a:p>
@@ -569,7 +568,7 @@
             <a:pPr rtl="0"/>
             <a:fld id="{8530193B-564F-4854-8A52-728F3FB19C85}" type="slidenum">
               <a:rPr lang="pt-PT" smtClean="0"/>
-              <a:t>‹#›</a:t>
+              <a:t>‹nº›</a:t>
             </a:fld>
             <a:endParaRPr lang="pt-PT"/>
           </a:p>
@@ -1496,7 +1495,7 @@
             <a:fld id="{19B51A1E-902D-48AF-9020-955120F399B6}" type="slidenum">
               <a:rPr lang="pt-PT" smtClean="0"/>
               <a:pPr rtl="0"/>
-              <a:t>‹#›</a:t>
+              <a:t>‹nº›</a:t>
             </a:fld>
             <a:endParaRPr lang="pt-PT"/>
           </a:p>
@@ -1923,7 +1922,7 @@
             <a:fld id="{19B51A1E-902D-48AF-9020-955120F399B6}" type="slidenum">
               <a:rPr lang="pt-PT" smtClean="0"/>
               <a:pPr rtl="0"/>
-              <a:t>‹#›</a:t>
+              <a:t>‹nº›</a:t>
             </a:fld>
             <a:endParaRPr lang="pt-PT"/>
           </a:p>
@@ -2474,7 +2473,7 @@
             <a:fld id="{19B51A1E-902D-48AF-9020-955120F399B6}" type="slidenum">
               <a:rPr lang="pt-PT" smtClean="0"/>
               <a:pPr rtl="0"/>
-              <a:t>‹#›</a:t>
+              <a:t>‹nº›</a:t>
             </a:fld>
             <a:endParaRPr lang="pt-PT"/>
           </a:p>
@@ -2659,7 +2658,7 @@
             <a:fld id="{19B51A1E-902D-48AF-9020-955120F399B6}" type="slidenum">
               <a:rPr lang="pt-PT" smtClean="0"/>
               <a:pPr rtl="0"/>
-              <a:t>‹#›</a:t>
+              <a:t>‹nº›</a:t>
             </a:fld>
             <a:endParaRPr lang="pt-PT"/>
           </a:p>
@@ -2749,7 +2748,7 @@
             <a:fld id="{19B51A1E-902D-48AF-9020-955120F399B6}" type="slidenum">
               <a:rPr lang="pt-PT" smtClean="0"/>
               <a:pPr rtl="0"/>
-              <a:t>‹#›</a:t>
+              <a:t>‹nº›</a:t>
             </a:fld>
             <a:endParaRPr lang="pt-PT"/>
           </a:p>
@@ -3262,7 +3261,7 @@
             <a:fld id="{19B51A1E-902D-48AF-9020-955120F399B6}" type="slidenum">
               <a:rPr lang="pt-PT" smtClean="0"/>
               <a:pPr rtl="0"/>
-              <a:t>‹#›</a:t>
+              <a:t>‹nº›</a:t>
             </a:fld>
             <a:endParaRPr lang="pt-PT"/>
           </a:p>
@@ -3756,7 +3755,7 @@
             <a:fld id="{19B51A1E-902D-48AF-9020-955120F399B6}" type="slidenum">
               <a:rPr lang="pt-PT" smtClean="0"/>
               <a:pPr rtl="0"/>
-              <a:t>‹#›</a:t>
+              <a:t>‹nº›</a:t>
             </a:fld>
             <a:endParaRPr lang="pt-PT"/>
           </a:p>
@@ -4118,7 +4117,7 @@
             <a:fld id="{19B51A1E-902D-48AF-9020-955120F399B6}" type="slidenum">
               <a:rPr lang="pt-PT" smtClean="0"/>
               <a:pPr rtl="0"/>
-              <a:t>‹#›</a:t>
+              <a:t>‹nº›</a:t>
             </a:fld>
             <a:endParaRPr lang="pt-PT"/>
           </a:p>
@@ -4534,7 +4533,7 @@
             <a:fld id="{19B51A1E-902D-48AF-9020-955120F399B6}" type="slidenum">
               <a:rPr lang="pt-PT" smtClean="0"/>
               <a:pPr rtl="0"/>
-              <a:t>‹#›</a:t>
+              <a:t>‹nº›</a:t>
             </a:fld>
             <a:endParaRPr lang="pt-PT"/>
           </a:p>
@@ -5068,7 +5067,7 @@
             <a:fld id="{19B51A1E-902D-48AF-9020-955120F399B6}" type="slidenum">
               <a:rPr lang="pt-PT" smtClean="0"/>
               <a:pPr rtl="0"/>
-              <a:t>‹#›</a:t>
+              <a:t>‹nº›</a:t>
             </a:fld>
             <a:endParaRPr lang="pt-PT"/>
           </a:p>
@@ -5291,7 +5290,7 @@
             <a:fld id="{19B51A1E-902D-48AF-9020-955120F399B6}" type="slidenum">
               <a:rPr lang="pt-PT" smtClean="0"/>
               <a:pPr rtl="0"/>
-              <a:t>‹#›</a:t>
+              <a:t>‹nº›</a:t>
             </a:fld>
             <a:endParaRPr lang="pt-PT"/>
           </a:p>
@@ -5951,7 +5950,7 @@
             <a:fld id="{19B51A1E-902D-48AF-9020-955120F399B6}" type="slidenum">
               <a:rPr lang="pt-PT" smtClean="0"/>
               <a:pPr rtl="0"/>
-              <a:t>‹#›</a:t>
+              <a:t>‹nº›</a:t>
             </a:fld>
             <a:endParaRPr lang="pt-PT"/>
           </a:p>
@@ -6244,7 +6243,7 @@
             <a:fld id="{19B51A1E-902D-48AF-9020-955120F399B6}" type="slidenum">
               <a:rPr lang="pt-PT" smtClean="0"/>
               <a:pPr rtl="0"/>
-              <a:t>‹#›</a:t>
+              <a:t>‹nº›</a:t>
             </a:fld>
             <a:endParaRPr lang="pt-PT"/>
           </a:p>
@@ -6691,7 +6690,7 @@
             <a:fld id="{19B51A1E-902D-48AF-9020-955120F399B6}" type="slidenum">
               <a:rPr lang="pt-PT" smtClean="0"/>
               <a:pPr rtl="0"/>
-              <a:t>‹#›</a:t>
+              <a:t>‹nº›</a:t>
             </a:fld>
             <a:endParaRPr lang="pt-PT"/>
           </a:p>
@@ -7318,280 +7317,6 @@
           <a:chExt cx="0" cy="0"/>
         </a:xfrm>
       </p:grpSpPr>
-      <p:sp>
-        <p:nvSpPr>
-          <p:cNvPr id="2" name="Espaço Reservado para Imagem 1">
-            <a:extLst>
-              <a:ext uri="{FF2B5EF4-FFF2-40B4-BE49-F238E27FC236}">
-                <a16:creationId xmlns:a16="http://schemas.microsoft.com/office/drawing/2014/main" id="{12105AB5-935C-A372-022A-431A9CCA3574}"/>
-              </a:ext>
-            </a:extLst>
-          </p:cNvPr>
-          <p:cNvSpPr>
-            <a:spLocks noGrp="1"/>
-          </p:cNvSpPr>
-          <p:nvPr>
-            <p:ph type="pic" sz="quarter" idx="14"/>
-          </p:nvPr>
-        </p:nvSpPr>
-        <p:spPr/>
-        <p:txBody>
-          <a:bodyPr/>
-          <a:lstStyle/>
-          <a:p>
-            <a:endParaRPr lang="pt-PT" dirty="0"/>
-          </a:p>
-        </p:txBody>
-      </p:sp>
-      <p:sp>
-        <p:nvSpPr>
-          <p:cNvPr id="3" name="Título 2">
-            <a:extLst>
-              <a:ext uri="{FF2B5EF4-FFF2-40B4-BE49-F238E27FC236}">
-                <a16:creationId xmlns:a16="http://schemas.microsoft.com/office/drawing/2014/main" id="{F114718F-335E-AE41-ABC0-DF18881B8FA7}"/>
-              </a:ext>
-            </a:extLst>
-          </p:cNvPr>
-          <p:cNvSpPr>
-            <a:spLocks noGrp="1"/>
-          </p:cNvSpPr>
-          <p:nvPr>
-            <p:ph type="title"/>
-          </p:nvPr>
-        </p:nvSpPr>
-        <p:spPr>
-          <a:xfrm>
-            <a:off x="7111800" y="233297"/>
-            <a:ext cx="4648200" cy="4554602"/>
-          </a:xfrm>
-        </p:spPr>
-        <p:txBody>
-          <a:bodyPr anchor="t"/>
-          <a:lstStyle/>
-          <a:p>
-            <a:r>
-              <a:rPr lang="pt-PT" dirty="0"/>
-              <a:t>Desempenho</a:t>
-            </a:r>
-            <a:br>
-              <a:rPr lang="pt-PT" dirty="0"/>
-            </a:br>
-            <a:endParaRPr lang="pt-PT" sz="2800" dirty="0"/>
-          </a:p>
-        </p:txBody>
-      </p:sp>
-      <p:sp>
-        <p:nvSpPr>
-          <p:cNvPr id="4" name="Espaço Reservado para Texto 3">
-            <a:extLst>
-              <a:ext uri="{FF2B5EF4-FFF2-40B4-BE49-F238E27FC236}">
-                <a16:creationId xmlns:a16="http://schemas.microsoft.com/office/drawing/2014/main" id="{E38228B9-412B-9DA4-363E-B7EE2A74411A}"/>
-              </a:ext>
-            </a:extLst>
-          </p:cNvPr>
-          <p:cNvSpPr>
-            <a:spLocks noGrp="1"/>
-          </p:cNvSpPr>
-          <p:nvPr>
-            <p:ph type="body" sz="quarter" idx="32"/>
-          </p:nvPr>
-        </p:nvSpPr>
-        <p:spPr/>
-        <p:txBody>
-          <a:bodyPr/>
-          <a:lstStyle/>
-          <a:p>
-            <a:endParaRPr lang="pt-PT" dirty="0"/>
-          </a:p>
-        </p:txBody>
-      </p:sp>
-      <p:pic>
-        <p:nvPicPr>
-          <p:cNvPr id="8" name="Espaço Reservado para Conteúdo 7">
-            <a:extLst>
-              <a:ext uri="{FF2B5EF4-FFF2-40B4-BE49-F238E27FC236}">
-                <a16:creationId xmlns:a16="http://schemas.microsoft.com/office/drawing/2014/main" id="{1FC4879C-1AB6-FF94-37B6-5DD1560D3EBF}"/>
-              </a:ext>
-            </a:extLst>
-          </p:cNvPr>
-          <p:cNvPicPr>
-            <a:picLocks noGrp="1" noChangeAspect="1"/>
-          </p:cNvPicPr>
-          <p:nvPr>
-            <p:ph sz="half" idx="1"/>
-          </p:nvPr>
-        </p:nvPicPr>
-        <p:blipFill>
-          <a:blip r:embed="rId2"/>
-          <a:stretch>
-            <a:fillRect/>
-          </a:stretch>
-        </p:blipFill>
-        <p:spPr>
-          <a:xfrm>
-            <a:off x="184721" y="1451610"/>
-            <a:ext cx="5911279" cy="3747135"/>
-          </a:xfrm>
-          <a:prstGeom prst="rect">
-            <a:avLst/>
-          </a:prstGeom>
-        </p:spPr>
-      </p:pic>
-      <p:sp>
-        <p:nvSpPr>
-          <p:cNvPr id="7" name="Espaço Reservado para Número de Slide 6">
-            <a:extLst>
-              <a:ext uri="{FF2B5EF4-FFF2-40B4-BE49-F238E27FC236}">
-                <a16:creationId xmlns:a16="http://schemas.microsoft.com/office/drawing/2014/main" id="{9F45D8E2-A7C1-9B4F-C868-FCE4594A19CF}"/>
-              </a:ext>
-            </a:extLst>
-          </p:cNvPr>
-          <p:cNvSpPr>
-            <a:spLocks noGrp="1"/>
-          </p:cNvSpPr>
-          <p:nvPr>
-            <p:ph type="sldNum" sz="quarter" idx="33"/>
-          </p:nvPr>
-        </p:nvSpPr>
-        <p:spPr/>
-        <p:txBody>
-          <a:bodyPr/>
-          <a:lstStyle/>
-          <a:p>
-            <a:pPr rtl="0"/>
-            <a:fld id="{19B51A1E-902D-48AF-9020-955120F399B6}" type="slidenum">
-              <a:rPr lang="pt-PT" smtClean="0"/>
-              <a:pPr rtl="0"/>
-              <a:t>10</a:t>
-            </a:fld>
-            <a:endParaRPr lang="pt-PT"/>
-          </a:p>
-        </p:txBody>
-      </p:sp>
-      <p:sp>
-        <p:nvSpPr>
-          <p:cNvPr id="9" name="CaixaDeTexto 8">
-            <a:extLst>
-              <a:ext uri="{FF2B5EF4-FFF2-40B4-BE49-F238E27FC236}">
-                <a16:creationId xmlns:a16="http://schemas.microsoft.com/office/drawing/2014/main" id="{B9E133EF-CA53-4CAF-24C2-36EBFCA4ADC7}"/>
-              </a:ext>
-            </a:extLst>
-          </p:cNvPr>
-          <p:cNvSpPr txBox="1"/>
-          <p:nvPr/>
-        </p:nvSpPr>
-        <p:spPr>
-          <a:xfrm>
-            <a:off x="7152801" y="1221781"/>
-            <a:ext cx="4648199" cy="3416320"/>
-          </a:xfrm>
-          <a:prstGeom prst="rect">
-            <a:avLst/>
-          </a:prstGeom>
-          <a:noFill/>
-        </p:spPr>
-        <p:txBody>
-          <a:bodyPr wrap="square" rtlCol="0">
-            <a:spAutoFit/>
-          </a:bodyPr>
-          <a:lstStyle/>
-          <a:p>
-            <a:r>
-              <a:rPr lang="pt-PT" dirty="0"/>
-              <a:t>A equipa atingiu as metas estabelecidas de forma eficiente.</a:t>
-            </a:r>
-          </a:p>
-          <a:p>
-            <a:endParaRPr lang="pt-PT" dirty="0"/>
-          </a:p>
-          <a:p>
-            <a:r>
-              <a:rPr lang="pt-PT" sz="1800" dirty="0"/>
-              <a:t>Participação ativa de todos os membros da equipa.</a:t>
-            </a:r>
-          </a:p>
-          <a:p>
-            <a:endParaRPr lang="pt-PT" dirty="0"/>
-          </a:p>
-          <a:p>
-            <a:r>
-              <a:rPr lang="pt-PT" dirty="0"/>
-              <a:t>Excelente cooperação entre os membros, com partilha de ideias e responsabilidades.</a:t>
-            </a:r>
-          </a:p>
-          <a:p>
-            <a:endParaRPr lang="pt-PT" dirty="0"/>
-          </a:p>
-          <a:p>
-            <a:r>
-              <a:rPr lang="pt-PT" dirty="0"/>
-              <a:t>As responsabilidades foram distribuídas de forma justa, aproveitando as competências individuais.</a:t>
-            </a:r>
-          </a:p>
-        </p:txBody>
-      </p:sp>
-      <p:sp>
-        <p:nvSpPr>
-          <p:cNvPr id="10" name="CaixaDeTexto 9">
-            <a:extLst>
-              <a:ext uri="{FF2B5EF4-FFF2-40B4-BE49-F238E27FC236}">
-                <a16:creationId xmlns:a16="http://schemas.microsoft.com/office/drawing/2014/main" id="{F177F570-A216-D370-698A-8B6823B7AB5E}"/>
-              </a:ext>
-            </a:extLst>
-          </p:cNvPr>
-          <p:cNvSpPr txBox="1"/>
-          <p:nvPr/>
-        </p:nvSpPr>
-        <p:spPr>
-          <a:xfrm>
-            <a:off x="6577070" y="4638101"/>
-            <a:ext cx="184731" cy="369332"/>
-          </a:xfrm>
-          <a:prstGeom prst="rect">
-            <a:avLst/>
-          </a:prstGeom>
-          <a:noFill/>
-        </p:spPr>
-        <p:txBody>
-          <a:bodyPr wrap="none" rtlCol="0">
-            <a:spAutoFit/>
-          </a:bodyPr>
-          <a:lstStyle/>
-          <a:p>
-            <a:endParaRPr lang="pt-PT" dirty="0"/>
-          </a:p>
-        </p:txBody>
-      </p:sp>
-    </p:spTree>
-    <p:extLst>
-      <p:ext uri="{BB962C8B-B14F-4D97-AF65-F5344CB8AC3E}">
-        <p14:creationId xmlns:p14="http://schemas.microsoft.com/office/powerpoint/2010/main" val="809294581"/>
-      </p:ext>
-    </p:extLst>
-  </p:cSld>
-  <p:clrMapOvr>
-    <a:masterClrMapping/>
-  </p:clrMapOvr>
-</p:sld>
-</file>
-
-<file path=ppt/slides/slide11.xml><?xml version="1.0" encoding="utf-8"?>
-<p:sld xmlns:a="http://schemas.openxmlformats.org/drawingml/2006/main" xmlns:r="http://schemas.openxmlformats.org/officeDocument/2006/relationships" xmlns:p="http://schemas.openxmlformats.org/presentationml/2006/main">
-  <p:cSld>
-    <p:spTree>
-      <p:nvGrpSpPr>
-        <p:cNvPr id="1" name=""/>
-        <p:cNvGrpSpPr/>
-        <p:nvPr/>
-      </p:nvGrpSpPr>
-      <p:grpSpPr>
-        <a:xfrm>
-          <a:off x="0" y="0"/>
-          <a:ext cx="0" cy="0"/>
-          <a:chOff x="0" y="0"/>
-          <a:chExt cx="0" cy="0"/>
-        </a:xfrm>
-      </p:grpSpPr>
       <p:pic>
         <p:nvPicPr>
           <p:cNvPr id="32" name="Marcador de Posição da Imagem 31" descr="mãos a bater palmas">
@@ -7677,7 +7402,7 @@
             <a:fld id="{19B51A1E-902D-48AF-9020-955120F399B6}" type="slidenum">
               <a:rPr lang="pt-PT" smtClean="0"/>
               <a:pPr rtl="0"/>
-              <a:t>11</a:t>
+              <a:t>10</a:t>
             </a:fld>
             <a:endParaRPr lang="pt-PT"/>
           </a:p>
@@ -8065,31 +7790,35 @@
           </a:p>
         </p:txBody>
       </p:sp>
-      <p:sp>
-        <p:nvSpPr>
-          <p:cNvPr id="5" name="Marcador de Posição de Conteúdo 4">
-            <a:extLst>
-              <a:ext uri="{FF2B5EF4-FFF2-40B4-BE49-F238E27FC236}">
-                <a16:creationId xmlns:a16="http://schemas.microsoft.com/office/drawing/2014/main" id="{0494C951-5722-BEDD-A5E9-99A64482EF0D}"/>
-              </a:ext>
-            </a:extLst>
-          </p:cNvPr>
-          <p:cNvSpPr>
-            <a:spLocks noGrp="1"/>
-          </p:cNvSpPr>
+      <p:pic>
+        <p:nvPicPr>
+          <p:cNvPr id="7" name="Marcador de Posição de Conteúdo 6" descr="Uma imagem com texto, captura de ecrã, número, Tipo de letra&#10;&#10;Descrição gerada automaticamente">
+            <a:extLst>
+              <a:ext uri="{FF2B5EF4-FFF2-40B4-BE49-F238E27FC236}">
+                <a16:creationId xmlns:a16="http://schemas.microsoft.com/office/drawing/2014/main" id="{5ED901CF-B0A9-5A0A-B565-0BAE11AB3EA4}"/>
+              </a:ext>
+            </a:extLst>
+          </p:cNvPr>
+          <p:cNvPicPr>
+            <a:picLocks noGrp="1" noChangeAspect="1"/>
+          </p:cNvPicPr>
           <p:nvPr>
             <p:ph sz="half" idx="1"/>
           </p:nvPr>
-        </p:nvSpPr>
-        <p:spPr/>
-        <p:txBody>
-          <a:bodyPr/>
-          <a:lstStyle/>
-          <a:p>
-            <a:endParaRPr lang="pt-PT"/>
-          </a:p>
-        </p:txBody>
-      </p:sp>
+        </p:nvPicPr>
+        <p:blipFill>
+          <a:blip r:embed="rId3"/>
+          <a:stretch>
+            <a:fillRect/>
+          </a:stretch>
+        </p:blipFill>
+        <p:spPr>
+          <a:xfrm>
+            <a:off x="2614983" y="2103237"/>
+            <a:ext cx="9145016" cy="4041769"/>
+          </a:xfrm>
+        </p:spPr>
+      </p:pic>
     </p:spTree>
     <p:extLst>
       <p:ext uri="{BB962C8B-B14F-4D97-AF65-F5344CB8AC3E}">
@@ -8438,10 +8167,10 @@
       </p:sp>
       <p:pic>
         <p:nvPicPr>
-          <p:cNvPr id="6" name="Picture 5">
-            <a:extLst>
-              <a:ext uri="{FF2B5EF4-FFF2-40B4-BE49-F238E27FC236}">
-                <a16:creationId xmlns:a16="http://schemas.microsoft.com/office/drawing/2014/main" id="{FCA9C6A7-3F14-E8E6-B324-6D1EFAFE3FB4}"/>
+          <p:cNvPr id="10" name="Imagem 9">
+            <a:extLst>
+              <a:ext uri="{FF2B5EF4-FFF2-40B4-BE49-F238E27FC236}">
+                <a16:creationId xmlns:a16="http://schemas.microsoft.com/office/drawing/2014/main" id="{000E121B-FA96-3586-7364-F7379D474891}"/>
               </a:ext>
             </a:extLst>
           </p:cNvPr>
@@ -8458,8 +8187,8 @@
         </p:blipFill>
         <p:spPr>
           <a:xfrm>
-            <a:off x="3938229" y="684581"/>
-            <a:ext cx="7377471" cy="5488838"/>
+            <a:off x="4691688" y="1049012"/>
+            <a:ext cx="6880144" cy="5031747"/>
           </a:xfrm>
           <a:prstGeom prst="rect">
             <a:avLst/>
@@ -9105,73 +8834,119 @@
           <a:chExt cx="0" cy="0"/>
         </a:xfrm>
       </p:grpSpPr>
-      <p:pic>
-        <p:nvPicPr>
-          <p:cNvPr id="5" name="Picture 2" descr="Why is database an important subject in Computing Studies? | by Bayan  Alsaghier | Medium">
-            <a:extLst>
-              <a:ext uri="{FF2B5EF4-FFF2-40B4-BE49-F238E27FC236}">
-                <a16:creationId xmlns:a16="http://schemas.microsoft.com/office/drawing/2014/main" id="{E72ECF75-938B-90FA-1D3C-05AC8B6C9D24}"/>
-              </a:ext>
-            </a:extLst>
-          </p:cNvPr>
-          <p:cNvPicPr>
-            <a:picLocks noChangeAspect="1" noChangeArrowheads="1"/>
-          </p:cNvPicPr>
+      <p:sp>
+        <p:nvSpPr>
+          <p:cNvPr id="20" name="Retângulo 19" descr="Bloco de destaques">
+            <a:extLst>
+              <a:ext uri="{FF2B5EF4-FFF2-40B4-BE49-F238E27FC236}">
+                <a16:creationId xmlns:a16="http://schemas.microsoft.com/office/drawing/2014/main" id="{EFA08948-2B6F-46B1-9D2D-8D7B2B3FBD56}"/>
+              </a:ext>
+              <a:ext uri="{C183D7F6-B498-43B3-948B-1728B52AA6E4}">
+                <adec:decorative xmlns:adec="http://schemas.microsoft.com/office/drawing/2017/decorative" val="1"/>
+              </a:ext>
+            </a:extLst>
+          </p:cNvPr>
+          <p:cNvSpPr/>
           <p:nvPr/>
-        </p:nvPicPr>
-        <p:blipFill>
-          <a:blip r:embed="rId2">
-            <a:alphaModFix amt="6000"/>
-            <a:extLst>
-              <a:ext uri="{28A0092B-C50C-407E-A947-70E740481C1C}">
-                <a14:useLocalDpi xmlns:a14="http://schemas.microsoft.com/office/drawing/2010/main" val="0"/>
-              </a:ext>
-            </a:extLst>
-          </a:blip>
-          <a:srcRect/>
-          <a:stretch>
-            <a:fillRect/>
-          </a:stretch>
-        </p:blipFill>
-        <p:spPr bwMode="auto">
-          <a:xfrm>
-            <a:off x="0" y="-306656"/>
-            <a:ext cx="12192000" cy="6356033"/>
+        </p:nvSpPr>
+        <p:spPr>
+          <a:xfrm>
+            <a:off x="9348588" y="537251"/>
+            <a:ext cx="2411412" cy="114824"/>
           </a:xfrm>
           <a:prstGeom prst="rect">
             <a:avLst/>
           </a:prstGeom>
-          <a:noFill/>
-          <a:extLst>
-            <a:ext uri="{909E8E84-426E-40DD-AFC4-6F175D3DCCD1}">
-              <a14:hiddenFill xmlns:a14="http://schemas.microsoft.com/office/drawing/2010/main">
-                <a:solidFill>
-                  <a:srgbClr val="FFFFFF"/>
-                </a:solidFill>
-              </a14:hiddenFill>
-            </a:ext>
-          </a:extLst>
-        </p:spPr>
-      </p:pic>
-      <p:sp>
-        <p:nvSpPr>
-          <p:cNvPr id="2" name="Marcador de Posição do Rodapé 1">
-            <a:extLst>
-              <a:ext uri="{FF2B5EF4-FFF2-40B4-BE49-F238E27FC236}">
-                <a16:creationId xmlns:a16="http://schemas.microsoft.com/office/drawing/2014/main" id="{55D0E951-018C-86DD-6CA5-16C524CE9BBC}"/>
-              </a:ext>
-            </a:extLst>
-          </p:cNvPr>
-          <p:cNvSpPr>
-            <a:spLocks noGrp="1"/>
-          </p:cNvSpPr>
-          <p:nvPr>
-            <p:ph type="ftr" sz="quarter" idx="12"/>
-          </p:nvPr>
-        </p:nvSpPr>
-        <p:spPr/>
-        <p:txBody>
-          <a:bodyPr/>
+          <a:solidFill>
+            <a:schemeClr val="accent1"/>
+          </a:solidFill>
+          <a:ln>
+            <a:noFill/>
+          </a:ln>
+        </p:spPr>
+        <p:style>
+          <a:lnRef idx="2">
+            <a:schemeClr val="accent1">
+              <a:shade val="50000"/>
+            </a:schemeClr>
+          </a:lnRef>
+          <a:fillRef idx="1">
+            <a:schemeClr val="accent1"/>
+          </a:fillRef>
+          <a:effectRef idx="0">
+            <a:schemeClr val="accent1"/>
+          </a:effectRef>
+          <a:fontRef idx="minor">
+            <a:schemeClr val="lt1"/>
+          </a:fontRef>
+        </p:style>
+        <p:txBody>
+          <a:bodyPr rtlCol="0" anchor="ctr"/>
+          <a:lstStyle/>
+          <a:p>
+            <a:pPr algn="l" rtl="0"/>
+            <a:endParaRPr lang="pt-PT"/>
+          </a:p>
+        </p:txBody>
+      </p:sp>
+      <p:sp>
+        <p:nvSpPr>
+          <p:cNvPr id="2" name="Título 1">
+            <a:extLst>
+              <a:ext uri="{FF2B5EF4-FFF2-40B4-BE49-F238E27FC236}">
+                <a16:creationId xmlns:a16="http://schemas.microsoft.com/office/drawing/2014/main" id="{3560F281-4FF6-4617-A809-AC9C15ECF18A}"/>
+              </a:ext>
+            </a:extLst>
+          </p:cNvPr>
+          <p:cNvSpPr>
+            <a:spLocks noGrp="1"/>
+          </p:cNvSpPr>
+          <p:nvPr>
+            <p:ph type="title"/>
+          </p:nvPr>
+        </p:nvSpPr>
+        <p:spPr>
+          <a:xfrm>
+            <a:off x="7111800" y="1012033"/>
+            <a:ext cx="4648200" cy="985000"/>
+          </a:xfrm>
+        </p:spPr>
+        <p:txBody>
+          <a:bodyPr rtlCol="0"/>
+          <a:lstStyle/>
+          <a:p>
+            <a:pPr rtl="0"/>
+            <a:r>
+              <a:rPr lang="pt-PT" sz="6000" dirty="0"/>
+              <a:t>Autoavaliação da Equipa</a:t>
+            </a:r>
+          </a:p>
+        </p:txBody>
+      </p:sp>
+      <p:sp>
+        <p:nvSpPr>
+          <p:cNvPr id="3" name="Marcador de Posição do Texto 2">
+            <a:extLst>
+              <a:ext uri="{FF2B5EF4-FFF2-40B4-BE49-F238E27FC236}">
+                <a16:creationId xmlns:a16="http://schemas.microsoft.com/office/drawing/2014/main" id="{611DC577-0A95-47D0-95D9-5F8DA763D46B}"/>
+              </a:ext>
+            </a:extLst>
+          </p:cNvPr>
+          <p:cNvSpPr>
+            <a:spLocks noGrp="1"/>
+          </p:cNvSpPr>
+          <p:nvPr>
+            <p:ph type="body" sz="quarter" idx="32"/>
+          </p:nvPr>
+        </p:nvSpPr>
+        <p:spPr>
+          <a:xfrm>
+            <a:off x="7111800" y="2518635"/>
+            <a:ext cx="4648200" cy="1162800"/>
+          </a:xfrm>
+        </p:spPr>
+        <p:txBody>
+          <a:bodyPr rtlCol="0"/>
           <a:lstStyle/>
           <a:p>
             <a:pPr rtl="0"/>
@@ -9181,23 +8956,23 @@
       </p:sp>
       <p:sp>
         <p:nvSpPr>
-          <p:cNvPr id="3" name="Marcador de Posição do Número do Diapositivo 2">
-            <a:extLst>
-              <a:ext uri="{FF2B5EF4-FFF2-40B4-BE49-F238E27FC236}">
-                <a16:creationId xmlns:a16="http://schemas.microsoft.com/office/drawing/2014/main" id="{898F9CEF-DC53-5637-84C8-94DDBDCA9990}"/>
-              </a:ext>
-            </a:extLst>
-          </p:cNvPr>
-          <p:cNvSpPr>
-            <a:spLocks noGrp="1"/>
-          </p:cNvSpPr>
-          <p:nvPr>
-            <p:ph type="sldNum" sz="quarter" idx="13"/>
+          <p:cNvPr id="6" name="Marcador de Posição do Número do Diapositivo 5">
+            <a:extLst>
+              <a:ext uri="{FF2B5EF4-FFF2-40B4-BE49-F238E27FC236}">
+                <a16:creationId xmlns:a16="http://schemas.microsoft.com/office/drawing/2014/main" id="{1C554D9F-1895-486E-BFBA-905BB2D29E08}"/>
+              </a:ext>
+            </a:extLst>
+          </p:cNvPr>
+          <p:cNvSpPr>
+            <a:spLocks noGrp="1"/>
+          </p:cNvSpPr>
+          <p:nvPr>
+            <p:ph type="sldNum" sz="quarter" idx="33"/>
           </p:nvPr>
         </p:nvSpPr>
         <p:spPr/>
         <p:txBody>
-          <a:bodyPr/>
+          <a:bodyPr rtlCol="0"/>
           <a:lstStyle/>
           <a:p>
             <a:pPr rtl="0"/>
@@ -9210,58 +8985,33 @@
           </a:p>
         </p:txBody>
       </p:sp>
-      <p:sp>
-        <p:nvSpPr>
-          <p:cNvPr id="4" name="Título 3">
-            <a:extLst>
-              <a:ext uri="{FF2B5EF4-FFF2-40B4-BE49-F238E27FC236}">
-                <a16:creationId xmlns:a16="http://schemas.microsoft.com/office/drawing/2014/main" id="{5383C528-E4CD-DF66-17DC-58CD01C4A7B1}"/>
-              </a:ext>
-            </a:extLst>
-          </p:cNvPr>
-          <p:cNvSpPr>
-            <a:spLocks noGrp="1"/>
-          </p:cNvSpPr>
-          <p:nvPr>
-            <p:ph type="title"/>
-          </p:nvPr>
-        </p:nvSpPr>
-        <p:spPr/>
-        <p:txBody>
-          <a:bodyPr/>
-          <a:lstStyle/>
-          <a:p>
-            <a:r>
-              <a:rPr lang="pt-PT" dirty="0"/>
-              <a:t>Pagina de preços </a:t>
-            </a:r>
-          </a:p>
-        </p:txBody>
-      </p:sp>
       <p:pic>
         <p:nvPicPr>
-          <p:cNvPr id="7" name="Picture 6">
-            <a:extLst>
-              <a:ext uri="{FF2B5EF4-FFF2-40B4-BE49-F238E27FC236}">
-                <a16:creationId xmlns:a16="http://schemas.microsoft.com/office/drawing/2014/main" id="{28390829-814A-3538-03C1-95A9B5EBF8C3}"/>
+          <p:cNvPr id="7" name="Espaço Reservado para Imagem 6">
+            <a:extLst>
+              <a:ext uri="{FF2B5EF4-FFF2-40B4-BE49-F238E27FC236}">
+                <a16:creationId xmlns:a16="http://schemas.microsoft.com/office/drawing/2014/main" id="{0CF5B090-96FF-04FB-7221-F02275AB0A7B}"/>
               </a:ext>
             </a:extLst>
           </p:cNvPr>
           <p:cNvPicPr>
-            <a:picLocks noChangeAspect="1"/>
+            <a:picLocks noGrp="1" noChangeAspect="1"/>
           </p:cNvPicPr>
-          <p:nvPr/>
+          <p:nvPr>
+            <p:ph type="pic" sz="quarter" idx="14"/>
+          </p:nvPr>
         </p:nvPicPr>
         <p:blipFill>
-          <a:blip r:embed="rId3"/>
+          <a:blip r:embed="rId2"/>
+          <a:srcRect l="14117" r="14117"/>
           <a:stretch>
             <a:fillRect/>
           </a:stretch>
         </p:blipFill>
         <p:spPr>
           <a:xfrm>
-            <a:off x="1722236" y="1125555"/>
-            <a:ext cx="7917064" cy="5084809"/>
+            <a:off x="0" y="0"/>
+            <a:ext cx="6096000" cy="6371351"/>
           </a:xfrm>
           <a:prstGeom prst="rect">
             <a:avLst/>
@@ -9271,7 +9021,7 @@
     </p:spTree>
     <p:extLst>
       <p:ext uri="{BB962C8B-B14F-4D97-AF65-F5344CB8AC3E}">
-        <p14:creationId xmlns:p14="http://schemas.microsoft.com/office/powerpoint/2010/main" val="1921512776"/>
+        <p14:creationId xmlns:p14="http://schemas.microsoft.com/office/powerpoint/2010/main" val="1329746698"/>
       </p:ext>
     </p:extLst>
   </p:cSld>
@@ -9300,130 +9050,129 @@
       </p:grpSpPr>
       <p:sp>
         <p:nvSpPr>
-          <p:cNvPr id="20" name="Retângulo 19" descr="Bloco de destaques">
-            <a:extLst>
-              <a:ext uri="{FF2B5EF4-FFF2-40B4-BE49-F238E27FC236}">
-                <a16:creationId xmlns:a16="http://schemas.microsoft.com/office/drawing/2014/main" id="{EFA08948-2B6F-46B1-9D2D-8D7B2B3FBD56}"/>
-              </a:ext>
-              <a:ext uri="{C183D7F6-B498-43B3-948B-1728B52AA6E4}">
-                <adec:decorative xmlns:adec="http://schemas.microsoft.com/office/drawing/2017/decorative" val="1"/>
-              </a:ext>
-            </a:extLst>
-          </p:cNvPr>
-          <p:cNvSpPr/>
-          <p:nvPr/>
-        </p:nvSpPr>
-        <p:spPr>
-          <a:xfrm>
-            <a:off x="9348588" y="537251"/>
-            <a:ext cx="2411412" cy="114824"/>
+          <p:cNvPr id="2" name="Espaço Reservado para Imagem 1">
+            <a:extLst>
+              <a:ext uri="{FF2B5EF4-FFF2-40B4-BE49-F238E27FC236}">
+                <a16:creationId xmlns:a16="http://schemas.microsoft.com/office/drawing/2014/main" id="{12105AB5-935C-A372-022A-431A9CCA3574}"/>
+              </a:ext>
+            </a:extLst>
+          </p:cNvPr>
+          <p:cNvSpPr>
+            <a:spLocks noGrp="1"/>
+          </p:cNvSpPr>
+          <p:nvPr>
+            <p:ph type="pic" sz="quarter" idx="14"/>
+          </p:nvPr>
+        </p:nvSpPr>
+        <p:spPr/>
+        <p:txBody>
+          <a:bodyPr/>
+          <a:lstStyle/>
+          <a:p>
+            <a:endParaRPr lang="pt-PT" dirty="0"/>
+          </a:p>
+        </p:txBody>
+      </p:sp>
+      <p:sp>
+        <p:nvSpPr>
+          <p:cNvPr id="3" name="Título 2">
+            <a:extLst>
+              <a:ext uri="{FF2B5EF4-FFF2-40B4-BE49-F238E27FC236}">
+                <a16:creationId xmlns:a16="http://schemas.microsoft.com/office/drawing/2014/main" id="{F114718F-335E-AE41-ABC0-DF18881B8FA7}"/>
+              </a:ext>
+            </a:extLst>
+          </p:cNvPr>
+          <p:cNvSpPr>
+            <a:spLocks noGrp="1"/>
+          </p:cNvSpPr>
+          <p:nvPr>
+            <p:ph type="title"/>
+          </p:nvPr>
+        </p:nvSpPr>
+        <p:spPr>
+          <a:xfrm>
+            <a:off x="7111800" y="233297"/>
+            <a:ext cx="4648200" cy="4554602"/>
+          </a:xfrm>
+        </p:spPr>
+        <p:txBody>
+          <a:bodyPr anchor="t"/>
+          <a:lstStyle/>
+          <a:p>
+            <a:r>
+              <a:rPr lang="pt-PT" dirty="0"/>
+              <a:t>Desempenho</a:t>
+            </a:r>
+            <a:br>
+              <a:rPr lang="pt-PT" dirty="0"/>
+            </a:br>
+            <a:endParaRPr lang="pt-PT" sz="2800" dirty="0"/>
+          </a:p>
+        </p:txBody>
+      </p:sp>
+      <p:sp>
+        <p:nvSpPr>
+          <p:cNvPr id="4" name="Espaço Reservado para Texto 3">
+            <a:extLst>
+              <a:ext uri="{FF2B5EF4-FFF2-40B4-BE49-F238E27FC236}">
+                <a16:creationId xmlns:a16="http://schemas.microsoft.com/office/drawing/2014/main" id="{E38228B9-412B-9DA4-363E-B7EE2A74411A}"/>
+              </a:ext>
+            </a:extLst>
+          </p:cNvPr>
+          <p:cNvSpPr>
+            <a:spLocks noGrp="1"/>
+          </p:cNvSpPr>
+          <p:nvPr>
+            <p:ph type="body" sz="quarter" idx="32"/>
+          </p:nvPr>
+        </p:nvSpPr>
+        <p:spPr/>
+        <p:txBody>
+          <a:bodyPr/>
+          <a:lstStyle/>
+          <a:p>
+            <a:endParaRPr lang="pt-PT" dirty="0"/>
+          </a:p>
+        </p:txBody>
+      </p:sp>
+      <p:pic>
+        <p:nvPicPr>
+          <p:cNvPr id="8" name="Espaço Reservado para Conteúdo 7">
+            <a:extLst>
+              <a:ext uri="{FF2B5EF4-FFF2-40B4-BE49-F238E27FC236}">
+                <a16:creationId xmlns:a16="http://schemas.microsoft.com/office/drawing/2014/main" id="{1FC4879C-1AB6-FF94-37B6-5DD1560D3EBF}"/>
+              </a:ext>
+            </a:extLst>
+          </p:cNvPr>
+          <p:cNvPicPr>
+            <a:picLocks noGrp="1" noChangeAspect="1"/>
+          </p:cNvPicPr>
+          <p:nvPr>
+            <p:ph sz="half" idx="1"/>
+          </p:nvPr>
+        </p:nvPicPr>
+        <p:blipFill>
+          <a:blip r:embed="rId2"/>
+          <a:stretch>
+            <a:fillRect/>
+          </a:stretch>
+        </p:blipFill>
+        <p:spPr>
+          <a:xfrm>
+            <a:off x="184721" y="1451610"/>
+            <a:ext cx="5911279" cy="3747135"/>
           </a:xfrm>
           <a:prstGeom prst="rect">
             <a:avLst/>
           </a:prstGeom>
-          <a:solidFill>
-            <a:schemeClr val="accent1"/>
-          </a:solidFill>
-          <a:ln>
-            <a:noFill/>
-          </a:ln>
-        </p:spPr>
-        <p:style>
-          <a:lnRef idx="2">
-            <a:schemeClr val="accent1">
-              <a:shade val="50000"/>
-            </a:schemeClr>
-          </a:lnRef>
-          <a:fillRef idx="1">
-            <a:schemeClr val="accent1"/>
-          </a:fillRef>
-          <a:effectRef idx="0">
-            <a:schemeClr val="accent1"/>
-          </a:effectRef>
-          <a:fontRef idx="minor">
-            <a:schemeClr val="lt1"/>
-          </a:fontRef>
-        </p:style>
-        <p:txBody>
-          <a:bodyPr rtlCol="0" anchor="ctr"/>
-          <a:lstStyle/>
-          <a:p>
-            <a:pPr algn="l" rtl="0"/>
-            <a:endParaRPr lang="pt-PT"/>
-          </a:p>
-        </p:txBody>
-      </p:sp>
-      <p:sp>
-        <p:nvSpPr>
-          <p:cNvPr id="2" name="Título 1">
-            <a:extLst>
-              <a:ext uri="{FF2B5EF4-FFF2-40B4-BE49-F238E27FC236}">
-                <a16:creationId xmlns:a16="http://schemas.microsoft.com/office/drawing/2014/main" id="{3560F281-4FF6-4617-A809-AC9C15ECF18A}"/>
-              </a:ext>
-            </a:extLst>
-          </p:cNvPr>
-          <p:cNvSpPr>
-            <a:spLocks noGrp="1"/>
-          </p:cNvSpPr>
-          <p:nvPr>
-            <p:ph type="title"/>
-          </p:nvPr>
-        </p:nvSpPr>
-        <p:spPr>
-          <a:xfrm>
-            <a:off x="7111800" y="1012033"/>
-            <a:ext cx="4648200" cy="985000"/>
-          </a:xfrm>
-        </p:spPr>
-        <p:txBody>
-          <a:bodyPr rtlCol="0"/>
-          <a:lstStyle/>
-          <a:p>
-            <a:pPr rtl="0"/>
-            <a:r>
-              <a:rPr lang="pt-PT" sz="6000" dirty="0"/>
-              <a:t>Autoavaliação da Equipa</a:t>
-            </a:r>
-          </a:p>
-        </p:txBody>
-      </p:sp>
-      <p:sp>
-        <p:nvSpPr>
-          <p:cNvPr id="3" name="Marcador de Posição do Texto 2">
-            <a:extLst>
-              <a:ext uri="{FF2B5EF4-FFF2-40B4-BE49-F238E27FC236}">
-                <a16:creationId xmlns:a16="http://schemas.microsoft.com/office/drawing/2014/main" id="{611DC577-0A95-47D0-95D9-5F8DA763D46B}"/>
-              </a:ext>
-            </a:extLst>
-          </p:cNvPr>
-          <p:cNvSpPr>
-            <a:spLocks noGrp="1"/>
-          </p:cNvSpPr>
-          <p:nvPr>
-            <p:ph type="body" sz="quarter" idx="32"/>
-          </p:nvPr>
-        </p:nvSpPr>
-        <p:spPr>
-          <a:xfrm>
-            <a:off x="7111800" y="2518635"/>
-            <a:ext cx="4648200" cy="1162800"/>
-          </a:xfrm>
-        </p:spPr>
-        <p:txBody>
-          <a:bodyPr rtlCol="0"/>
-          <a:lstStyle/>
-          <a:p>
-            <a:pPr rtl="0"/>
-            <a:endParaRPr lang="pt-PT" dirty="0"/>
-          </a:p>
-        </p:txBody>
-      </p:sp>
-      <p:sp>
-        <p:nvSpPr>
-          <p:cNvPr id="6" name="Marcador de Posição do Número do Diapositivo 5">
-            <a:extLst>
-              <a:ext uri="{FF2B5EF4-FFF2-40B4-BE49-F238E27FC236}">
-                <a16:creationId xmlns:a16="http://schemas.microsoft.com/office/drawing/2014/main" id="{1C554D9F-1895-486E-BFBA-905BB2D29E08}"/>
+        </p:spPr>
+      </p:pic>
+      <p:sp>
+        <p:nvSpPr>
+          <p:cNvPr id="7" name="Espaço Reservado para Número de Slide 6">
+            <a:extLst>
+              <a:ext uri="{FF2B5EF4-FFF2-40B4-BE49-F238E27FC236}">
+                <a16:creationId xmlns:a16="http://schemas.microsoft.com/office/drawing/2014/main" id="{9F45D8E2-A7C1-9B4F-C868-FCE4594A19CF}"/>
               </a:ext>
             </a:extLst>
           </p:cNvPr>
@@ -9436,7 +9185,7 @@
         </p:nvSpPr>
         <p:spPr/>
         <p:txBody>
-          <a:bodyPr rtlCol="0"/>
+          <a:bodyPr/>
           <a:lstStyle/>
           <a:p>
             <a:pPr rtl="0"/>
@@ -9449,43 +9198,104 @@
           </a:p>
         </p:txBody>
       </p:sp>
-      <p:pic>
-        <p:nvPicPr>
-          <p:cNvPr id="7" name="Espaço Reservado para Imagem 6">
-            <a:extLst>
-              <a:ext uri="{FF2B5EF4-FFF2-40B4-BE49-F238E27FC236}">
-                <a16:creationId xmlns:a16="http://schemas.microsoft.com/office/drawing/2014/main" id="{0CF5B090-96FF-04FB-7221-F02275AB0A7B}"/>
-              </a:ext>
-            </a:extLst>
-          </p:cNvPr>
-          <p:cNvPicPr>
-            <a:picLocks noGrp="1" noChangeAspect="1"/>
-          </p:cNvPicPr>
-          <p:nvPr>
-            <p:ph type="pic" sz="quarter" idx="14"/>
-          </p:nvPr>
-        </p:nvPicPr>
-        <p:blipFill>
-          <a:blip r:embed="rId2"/>
-          <a:srcRect l="14117" r="14117"/>
-          <a:stretch>
-            <a:fillRect/>
-          </a:stretch>
-        </p:blipFill>
-        <p:spPr>
-          <a:xfrm>
-            <a:off x="0" y="0"/>
-            <a:ext cx="6096000" cy="6371351"/>
+      <p:sp>
+        <p:nvSpPr>
+          <p:cNvPr id="9" name="CaixaDeTexto 8">
+            <a:extLst>
+              <a:ext uri="{FF2B5EF4-FFF2-40B4-BE49-F238E27FC236}">
+                <a16:creationId xmlns:a16="http://schemas.microsoft.com/office/drawing/2014/main" id="{B9E133EF-CA53-4CAF-24C2-36EBFCA4ADC7}"/>
+              </a:ext>
+            </a:extLst>
+          </p:cNvPr>
+          <p:cNvSpPr txBox="1"/>
+          <p:nvPr/>
+        </p:nvSpPr>
+        <p:spPr>
+          <a:xfrm>
+            <a:off x="7152801" y="1221781"/>
+            <a:ext cx="4648199" cy="3416320"/>
           </a:xfrm>
           <a:prstGeom prst="rect">
             <a:avLst/>
           </a:prstGeom>
-        </p:spPr>
-      </p:pic>
+          <a:noFill/>
+        </p:spPr>
+        <p:txBody>
+          <a:bodyPr wrap="square" rtlCol="0">
+            <a:spAutoFit/>
+          </a:bodyPr>
+          <a:lstStyle/>
+          <a:p>
+            <a:r>
+              <a:rPr lang="pt-PT" dirty="0"/>
+              <a:t>A equipa atingiu as metas estabelecidas de forma eficiente.</a:t>
+            </a:r>
+          </a:p>
+          <a:p>
+            <a:endParaRPr lang="pt-PT" dirty="0"/>
+          </a:p>
+          <a:p>
+            <a:r>
+              <a:rPr lang="pt-PT" sz="1800" dirty="0"/>
+              <a:t>Participação ativa de todos os membros da equipa.</a:t>
+            </a:r>
+          </a:p>
+          <a:p>
+            <a:endParaRPr lang="pt-PT" dirty="0"/>
+          </a:p>
+          <a:p>
+            <a:r>
+              <a:rPr lang="pt-PT" dirty="0"/>
+              <a:t>Excelente cooperação entre os membros, com partilha de ideias e responsabilidades.</a:t>
+            </a:r>
+          </a:p>
+          <a:p>
+            <a:endParaRPr lang="pt-PT" dirty="0"/>
+          </a:p>
+          <a:p>
+            <a:r>
+              <a:rPr lang="pt-PT" dirty="0"/>
+              <a:t>As responsabilidades foram distribuídas de forma justa, aproveitando as competências individuais.</a:t>
+            </a:r>
+          </a:p>
+        </p:txBody>
+      </p:sp>
+      <p:sp>
+        <p:nvSpPr>
+          <p:cNvPr id="10" name="CaixaDeTexto 9">
+            <a:extLst>
+              <a:ext uri="{FF2B5EF4-FFF2-40B4-BE49-F238E27FC236}">
+                <a16:creationId xmlns:a16="http://schemas.microsoft.com/office/drawing/2014/main" id="{F177F570-A216-D370-698A-8B6823B7AB5E}"/>
+              </a:ext>
+            </a:extLst>
+          </p:cNvPr>
+          <p:cNvSpPr txBox="1"/>
+          <p:nvPr/>
+        </p:nvSpPr>
+        <p:spPr>
+          <a:xfrm>
+            <a:off x="6577070" y="4638101"/>
+            <a:ext cx="184731" cy="369332"/>
+          </a:xfrm>
+          <a:prstGeom prst="rect">
+            <a:avLst/>
+          </a:prstGeom>
+          <a:noFill/>
+        </p:spPr>
+        <p:txBody>
+          <a:bodyPr wrap="none" rtlCol="0">
+            <a:spAutoFit/>
+          </a:bodyPr>
+          <a:lstStyle/>
+          <a:p>
+            <a:endParaRPr lang="pt-PT" dirty="0"/>
+          </a:p>
+        </p:txBody>
+      </p:sp>
     </p:spTree>
     <p:extLst>
       <p:ext uri="{BB962C8B-B14F-4D97-AF65-F5344CB8AC3E}">
-        <p14:creationId xmlns:p14="http://schemas.microsoft.com/office/powerpoint/2010/main" val="1329746698"/>
+        <p14:creationId xmlns:p14="http://schemas.microsoft.com/office/powerpoint/2010/main" val="809294581"/>
       </p:ext>
     </p:extLst>
   </p:cSld>
@@ -10317,6 +10127,15 @@
 </file>
 
 <file path=customXml/item1.xml><?xml version="1.0" encoding="utf-8"?>
+<p:properties xmlns:p="http://schemas.microsoft.com/office/2006/metadata/properties" xmlns:xsi="http://www.w3.org/2001/XMLSchema-instance" xmlns:pc="http://schemas.microsoft.com/office/infopath/2007/PartnerControls">
+  <documentManagement>
+    <_ip_UnifiedCompliancePolicyUIAction xmlns="http://schemas.microsoft.com/sharepoint/v3" xsi:nil="true"/>
+    <_ip_UnifiedCompliancePolicyProperties xmlns="http://schemas.microsoft.com/sharepoint/v3" xsi:nil="true"/>
+  </documentManagement>
+</p:properties>
+</file>
+
+<file path=customXml/item2.xml><?xml version="1.0" encoding="utf-8"?>
 <ct:contentTypeSchema xmlns:ct="http://schemas.microsoft.com/office/2006/metadata/contentType" xmlns:ma="http://schemas.microsoft.com/office/2006/metadata/properties/metaAttributes" ct:_="" ma:_="" ma:contentTypeName="Document" ma:contentTypeID="0x010100DEEA25CC0A0AC24199CDC46C25B8B0BC" ma:contentTypeVersion="9" ma:contentTypeDescription="Create a new document." ma:contentTypeScope="" ma:versionID="76e25e1730b4532ab1d5e5b131a96a5a">
   <xsd:schema xmlns:xsd="http://www.w3.org/2001/XMLSchema" xmlns:xs="http://www.w3.org/2001/XMLSchema" xmlns:p="http://schemas.microsoft.com/office/2006/metadata/properties" xmlns:ns1="http://schemas.microsoft.com/sharepoint/v3" xmlns:ns2="6dc4bcd6-49db-4c07-9060-8acfc67cef9f" xmlns:ns3="fb0879af-3eba-417a-a55a-ffe6dcd6ca77" targetNamespace="http://schemas.microsoft.com/office/2006/metadata/properties" ma:root="true" ma:fieldsID="ad1e9281a84c4949647088091c718de3" ns1:_="" ns2:_="" ns3:_="">
     <xsd:import namespace="http://schemas.microsoft.com/sharepoint/v3"/>
@@ -10518,16 +10337,25 @@
 </ct:contentTypeSchema>
 </file>
 
-<file path=customXml/item2.xml><?xml version="1.0" encoding="utf-8"?>
-<p:properties xmlns:p="http://schemas.microsoft.com/office/2006/metadata/properties" xmlns:xsi="http://www.w3.org/2001/XMLSchema-instance" xmlns:pc="http://schemas.microsoft.com/office/infopath/2007/PartnerControls">
-  <documentManagement>
-    <_ip_UnifiedCompliancePolicyUIAction xmlns="http://schemas.microsoft.com/sharepoint/v3" xsi:nil="true"/>
-    <_ip_UnifiedCompliancePolicyProperties xmlns="http://schemas.microsoft.com/sharepoint/v3" xsi:nil="true"/>
-  </documentManagement>
-</p:properties>
+<file path=customXml/itemProps1.xml><?xml version="1.0" encoding="utf-8"?>
+<ds:datastoreItem xmlns:ds="http://schemas.openxmlformats.org/officeDocument/2006/customXml" ds:itemID="{EB2218FC-8412-44B9-9E82-D51F1F531141}">
+  <ds:schemaRefs>
+    <ds:schemaRef ds:uri="http://schemas.microsoft.com/office/2006/documentManagement/types"/>
+    <ds:schemaRef ds:uri="http://schemas.openxmlformats.org/package/2006/metadata/core-properties"/>
+    <ds:schemaRef ds:uri="http://schemas.microsoft.com/office/2006/metadata/properties"/>
+    <ds:schemaRef ds:uri="http://purl.org/dc/dcmitype/"/>
+    <ds:schemaRef ds:uri="http://purl.org/dc/elements/1.1/"/>
+    <ds:schemaRef ds:uri="http://purl.org/dc/terms/"/>
+    <ds:schemaRef ds:uri="6dc4bcd6-49db-4c07-9060-8acfc67cef9f"/>
+    <ds:schemaRef ds:uri="http://www.w3.org/XML/1998/namespace"/>
+    <ds:schemaRef ds:uri="http://schemas.microsoft.com/office/infopath/2007/PartnerControls"/>
+    <ds:schemaRef ds:uri="fb0879af-3eba-417a-a55a-ffe6dcd6ca77"/>
+    <ds:schemaRef ds:uri="http://schemas.microsoft.com/sharepoint/v3"/>
+  </ds:schemaRefs>
+</ds:datastoreItem>
 </file>
 
-<file path=customXml/itemProps1.xml><?xml version="1.0" encoding="utf-8"?>
+<file path=customXml/itemProps2.xml><?xml version="1.0" encoding="utf-8"?>
 <ds:datastoreItem xmlns:ds="http://schemas.openxmlformats.org/officeDocument/2006/customXml" ds:itemID="{B64A4C9D-F801-4923-BC6D-E0006F512331}">
   <ds:schemaRefs>
     <ds:schemaRef ds:uri="http://schemas.microsoft.com/office/2006/metadata/contentType"/>
@@ -10545,22 +10373,4 @@
     <ds:schemaRef ds:uri="http://schemas.microsoft.com/internal/obd"/>
   </ds:schemaRefs>
 </ds:datastoreItem>
-</file>
-
-<file path=customXml/itemProps2.xml><?xml version="1.0" encoding="utf-8"?>
-<ds:datastoreItem xmlns:ds="http://schemas.openxmlformats.org/officeDocument/2006/customXml" ds:itemID="{EB2218FC-8412-44B9-9E82-D51F1F531141}">
-  <ds:schemaRefs>
-    <ds:schemaRef ds:uri="http://schemas.microsoft.com/office/2006/documentManagement/types"/>
-    <ds:schemaRef ds:uri="http://schemas.openxmlformats.org/package/2006/metadata/core-properties"/>
-    <ds:schemaRef ds:uri="http://schemas.microsoft.com/office/2006/metadata/properties"/>
-    <ds:schemaRef ds:uri="http://purl.org/dc/dcmitype/"/>
-    <ds:schemaRef ds:uri="http://purl.org/dc/elements/1.1/"/>
-    <ds:schemaRef ds:uri="http://purl.org/dc/terms/"/>
-    <ds:schemaRef ds:uri="6dc4bcd6-49db-4c07-9060-8acfc67cef9f"/>
-    <ds:schemaRef ds:uri="http://www.w3.org/XML/1998/namespace"/>
-    <ds:schemaRef ds:uri="http://schemas.microsoft.com/office/infopath/2007/PartnerControls"/>
-    <ds:schemaRef ds:uri="fb0879af-3eba-417a-a55a-ffe6dcd6ca77"/>
-    <ds:schemaRef ds:uri="http://schemas.microsoft.com/sharepoint/v3"/>
-  </ds:schemaRefs>
-</ds:datastoreItem>
 </file>